--- a/PowerPointPresentationPower.pptx
+++ b/PowerPointPresentationPower.pptx
@@ -391,7 +391,8 @@
           <a:p>
             <a:fld id="{7DB9B6E6-6B88-47F3-B6A6-892E1A9BD49F}" type="datetimeFigureOut">
               <a:rPr lang="en-US" smtClean="0"/>
-              <a:t>3/9/2014</a:t>
+              <a:pPr/>
+              <a:t>3/10/2014</a:t>
             </a:fld>
             <a:endParaRPr lang="en-US"/>
           </a:p>
@@ -620,6 +621,7 @@
           <a:p>
             <a:fld id="{44D90B02-0BBB-456E-A070-1E3D44E751DD}" type="slidenum">
               <a:rPr lang="en-US" smtClean="0"/>
+              <a:pPr/>
               <a:t>‹#›</a:t>
             </a:fld>
             <a:endParaRPr lang="en-US"/>
@@ -784,7 +786,8 @@
           <a:p>
             <a:fld id="{7DB9B6E6-6B88-47F3-B6A6-892E1A9BD49F}" type="datetimeFigureOut">
               <a:rPr lang="en-US" smtClean="0"/>
-              <a:t>3/9/2014</a:t>
+              <a:pPr/>
+              <a:t>3/10/2014</a:t>
             </a:fld>
             <a:endParaRPr lang="en-US"/>
           </a:p>
@@ -826,6 +829,7 @@
           <a:p>
             <a:fld id="{44D90B02-0BBB-456E-A070-1E3D44E751DD}" type="slidenum">
               <a:rPr lang="en-US" smtClean="0"/>
+              <a:pPr/>
               <a:t>‹#›</a:t>
             </a:fld>
             <a:endParaRPr lang="en-US"/>
@@ -1236,6 +1240,7 @@
           <a:p>
             <a:fld id="{44D90B02-0BBB-456E-A070-1E3D44E751DD}" type="slidenum">
               <a:rPr lang="en-US" smtClean="0"/>
+              <a:pPr/>
               <a:t>‹#›</a:t>
             </a:fld>
             <a:endParaRPr lang="en-US"/>
@@ -1316,7 +1321,8 @@
           <a:p>
             <a:fld id="{7DB9B6E6-6B88-47F3-B6A6-892E1A9BD49F}" type="datetimeFigureOut">
               <a:rPr lang="en-US" smtClean="0"/>
-              <a:t>3/9/2014</a:t>
+              <a:pPr/>
+              <a:t>3/10/2014</a:t>
             </a:fld>
             <a:endParaRPr lang="en-US"/>
           </a:p>
@@ -1449,7 +1455,8 @@
           <a:p>
             <a:fld id="{7DB9B6E6-6B88-47F3-B6A6-892E1A9BD49F}" type="datetimeFigureOut">
               <a:rPr lang="en-US" smtClean="0"/>
-              <a:t>3/9/2014</a:t>
+              <a:pPr/>
+              <a:t>3/10/2014</a:t>
             </a:fld>
             <a:endParaRPr lang="en-US"/>
           </a:p>
@@ -1496,6 +1503,7 @@
           <a:p>
             <a:fld id="{44D90B02-0BBB-456E-A070-1E3D44E751DD}" type="slidenum">
               <a:rPr lang="en-US" smtClean="0"/>
+              <a:pPr/>
               <a:t>‹#›</a:t>
             </a:fld>
             <a:endParaRPr lang="en-US"/>
@@ -1992,7 +2000,8 @@
           <a:p>
             <a:fld id="{7DB9B6E6-6B88-47F3-B6A6-892E1A9BD49F}" type="datetimeFigureOut">
               <a:rPr lang="en-US" smtClean="0"/>
-              <a:t>3/9/2014</a:t>
+              <a:pPr/>
+              <a:t>3/10/2014</a:t>
             </a:fld>
             <a:endParaRPr lang="en-US"/>
           </a:p>
@@ -2164,6 +2173,7 @@
           <a:p>
             <a:fld id="{44D90B02-0BBB-456E-A070-1E3D44E751DD}" type="slidenum">
               <a:rPr lang="en-US" smtClean="0"/>
+              <a:pPr/>
               <a:t>‹#›</a:t>
             </a:fld>
             <a:endParaRPr lang="en-US"/>
@@ -2287,7 +2297,8 @@
           <a:p>
             <a:fld id="{7DB9B6E6-6B88-47F3-B6A6-892E1A9BD49F}" type="datetimeFigureOut">
               <a:rPr lang="en-US" smtClean="0"/>
-              <a:t>3/9/2014</a:t>
+              <a:pPr/>
+              <a:t>3/10/2014</a:t>
             </a:fld>
             <a:endParaRPr lang="en-US"/>
           </a:p>
@@ -2329,6 +2340,7 @@
           <a:p>
             <a:fld id="{44D90B02-0BBB-456E-A070-1E3D44E751DD}" type="slidenum">
               <a:rPr lang="en-US" smtClean="0"/>
+              <a:pPr/>
               <a:t>‹#›</a:t>
             </a:fld>
             <a:endParaRPr lang="en-US"/>
@@ -2946,7 +2958,8 @@
           <a:p>
             <a:fld id="{7DB9B6E6-6B88-47F3-B6A6-892E1A9BD49F}" type="datetimeFigureOut">
               <a:rPr lang="en-US" smtClean="0"/>
-              <a:t>3/9/2014</a:t>
+              <a:pPr/>
+              <a:t>3/10/2014</a:t>
             </a:fld>
             <a:endParaRPr lang="en-US"/>
           </a:p>
@@ -3288,6 +3301,7 @@
           <a:p>
             <a:fld id="{44D90B02-0BBB-456E-A070-1E3D44E751DD}" type="slidenum">
               <a:rPr lang="en-US" smtClean="0"/>
+              <a:pPr/>
               <a:t>‹#›</a:t>
             </a:fld>
             <a:endParaRPr lang="en-US"/>
@@ -3382,7 +3396,8 @@
           <a:p>
             <a:fld id="{7DB9B6E6-6B88-47F3-B6A6-892E1A9BD49F}" type="datetimeFigureOut">
               <a:rPr lang="en-US" smtClean="0"/>
-              <a:t>3/9/2014</a:t>
+              <a:pPr/>
+              <a:t>3/10/2014</a:t>
             </a:fld>
             <a:endParaRPr lang="en-US"/>
           </a:p>
@@ -3429,6 +3444,7 @@
           <a:p>
             <a:fld id="{44D90B02-0BBB-456E-A070-1E3D44E751DD}" type="slidenum">
               <a:rPr lang="en-US" smtClean="0"/>
+              <a:pPr/>
               <a:t>‹#›</a:t>
             </a:fld>
             <a:endParaRPr lang="en-US"/>
@@ -3695,7 +3711,8 @@
           <a:p>
             <a:fld id="{7DB9B6E6-6B88-47F3-B6A6-892E1A9BD49F}" type="datetimeFigureOut">
               <a:rPr lang="en-US" smtClean="0"/>
-              <a:t>3/9/2014</a:t>
+              <a:pPr/>
+              <a:t>3/10/2014</a:t>
             </a:fld>
             <a:endParaRPr lang="en-US"/>
           </a:p>
@@ -3750,6 +3767,7 @@
           <a:p>
             <a:fld id="{44D90B02-0BBB-456E-A070-1E3D44E751DD}" type="slidenum">
               <a:rPr lang="en-US" smtClean="0"/>
+              <a:pPr/>
               <a:t>‹#›</a:t>
             </a:fld>
             <a:endParaRPr lang="en-US"/>
@@ -4368,6 +4386,7 @@
           <a:p>
             <a:fld id="{44D90B02-0BBB-456E-A070-1E3D44E751DD}" type="slidenum">
               <a:rPr lang="en-US" smtClean="0"/>
+              <a:pPr/>
               <a:t>‹#›</a:t>
             </a:fld>
             <a:endParaRPr lang="en-US"/>
@@ -4427,7 +4446,8 @@
           <a:p>
             <a:fld id="{7DB9B6E6-6B88-47F3-B6A6-892E1A9BD49F}" type="datetimeFigureOut">
               <a:rPr lang="en-US" smtClean="0"/>
-              <a:t>3/9/2014</a:t>
+              <a:pPr/>
+              <a:t>3/10/2014</a:t>
             </a:fld>
             <a:endParaRPr lang="en-US"/>
           </a:p>
@@ -4902,6 +4922,7 @@
           <a:p>
             <a:fld id="{44D90B02-0BBB-456E-A070-1E3D44E751DD}" type="slidenum">
               <a:rPr lang="en-US" smtClean="0"/>
+              <a:pPr/>
               <a:t>‹#›</a:t>
             </a:fld>
             <a:endParaRPr lang="en-US"/>
@@ -5091,7 +5112,8 @@
           <a:p>
             <a:fld id="{7DB9B6E6-6B88-47F3-B6A6-892E1A9BD49F}" type="datetimeFigureOut">
               <a:rPr lang="en-US" smtClean="0"/>
-              <a:t>3/9/2014</a:t>
+              <a:pPr/>
+              <a:t>3/10/2014</a:t>
             </a:fld>
             <a:endParaRPr lang="en-US"/>
           </a:p>
@@ -5364,7 +5386,8 @@
           <a:p>
             <a:fld id="{7DB9B6E6-6B88-47F3-B6A6-892E1A9BD49F}" type="datetimeFigureOut">
               <a:rPr lang="en-US" smtClean="0"/>
-              <a:t>3/9/2014</a:t>
+              <a:pPr/>
+              <a:t>3/10/2014</a:t>
             </a:fld>
             <a:endParaRPr lang="en-US"/>
           </a:p>
@@ -5614,6 +5637,7 @@
           <a:p>
             <a:fld id="{44D90B02-0BBB-456E-A070-1E3D44E751DD}" type="slidenum">
               <a:rPr lang="en-US" smtClean="0"/>
+              <a:pPr/>
               <a:t>‹#›</a:t>
             </a:fld>
             <a:endParaRPr lang="en-US"/>
@@ -6412,25 +6436,40 @@
           </a:p>
         </p:txBody>
       </p:sp>
-      <p:sp>
-        <p:nvSpPr>
-          <p:cNvPr id="8" name="Content Placeholder 7"/>
-          <p:cNvSpPr>
-            <a:spLocks noGrp="1"/>
-          </p:cNvSpPr>
+      <p:pic>
+        <p:nvPicPr>
+          <p:cNvPr id="1027" name="Picture 3"/>
+          <p:cNvPicPr>
+            <a:picLocks noGrp="1" noChangeAspect="1" noChangeArrowheads="1"/>
+          </p:cNvPicPr>
           <p:nvPr>
             <p:ph sz="quarter" idx="1"/>
           </p:nvPr>
-        </p:nvSpPr>
-        <p:spPr/>
-        <p:txBody>
-          <a:bodyPr/>
-          <a:lstStyle/>
-          <a:p>
-            <a:endParaRPr lang="en-US" dirty="0"/>
-          </a:p>
-        </p:txBody>
-      </p:sp>
+        </p:nvPicPr>
+        <p:blipFill>
+          <a:blip r:embed="rId2" cstate="print"/>
+          <a:srcRect l="17062" t="36847" r="59642" b="9143"/>
+          <a:stretch>
+            <a:fillRect/>
+          </a:stretch>
+        </p:blipFill>
+        <p:spPr bwMode="auto">
+          <a:xfrm>
+            <a:off x="990600" y="1143000"/>
+            <a:ext cx="7467600" cy="5552830"/>
+          </a:xfrm>
+          <a:prstGeom prst="rect">
+            <a:avLst/>
+          </a:prstGeom>
+          <a:noFill/>
+          <a:ln w="9525">
+            <a:noFill/>
+            <a:miter lim="800000"/>
+            <a:headEnd/>
+            <a:tailEnd/>
+          </a:ln>
+        </p:spPr>
+      </p:pic>
     </p:spTree>
   </p:cSld>
   <p:clrMapOvr>
